--- a/java servlet module 5/Java web.pptx
+++ b/java servlet module 5/Java web.pptx
@@ -14827,7 +14827,16 @@
                 <a:cs typeface="Kulim Park"/>
                 <a:sym typeface="Kulim Park"/>
               </a:rPr>
-              <a:t>JAVA SERVLET</a:t>
+              <a:t>JAVA </a:t>
+            </a:r>
+            <a:r>
+              <a:rPr lang="en-US" sz="6000" dirty="0" smtClean="0">
+                <a:latin typeface="Kulim Park"/>
+                <a:ea typeface="Kulim Park"/>
+                <a:cs typeface="Kulim Park"/>
+                <a:sym typeface="Kulim Park"/>
+              </a:rPr>
+              <a:t>WEB</a:t>
             </a:r>
             <a:endParaRPr sz="3600" dirty="0">
               <a:solidFill>
@@ -14980,11 +14989,7 @@
             </a:r>
             <a:r>
               <a:rPr lang="vi-VN" dirty="0"/>
-              <a:t>HTML hoặc </a:t>
-            </a:r>
-            <a:r>
-              <a:rPr lang="vi-VN" dirty="0"/>
-              <a:t>file</a:t>
+              <a:t>HTML hoặc file</a:t>
             </a:r>
             <a:r>
               <a:rPr lang="vi-VN" dirty="0" smtClean="0"/>
@@ -18494,6 +18499,10 @@
           <a:lstStyle/>
           <a:p>
             <a:pPr lvl="0"/>
+            <a:r>
+              <a:rPr lang="vi-VN" dirty="0" smtClean="0"/>
+              <a:t>Còn lại..</a:t>
+            </a:r>
             <a:endParaRPr dirty="0"/>
           </a:p>
         </p:txBody>
@@ -27141,6 +27150,13 @@
   <p:clrMapOvr>
     <a:masterClrMapping/>
   </p:clrMapOvr>
+  <p:timing>
+    <p:tnLst>
+      <p:par>
+        <p:cTn id="1" dur="indefinite" restart="never" nodeType="tmRoot"/>
+      </p:par>
+    </p:tnLst>
+  </p:timing>
 </p:sld>
 </file>
 
@@ -27279,6 +27295,13 @@
   <p:clrMapOvr>
     <a:masterClrMapping/>
   </p:clrMapOvr>
+  <p:timing>
+    <p:tnLst>
+      <p:par>
+        <p:cTn id="1" dur="indefinite" restart="never" nodeType="tmRoot"/>
+      </p:par>
+    </p:tnLst>
+  </p:timing>
 </p:sld>
 </file>
 
